--- a/java_ppt/9장. 예외처리 및 DB 연동.pptx
+++ b/java_ppt/9장. 예외처리 및 DB 연동.pptx
@@ -5,7 +5,7 @@
     <p:sldMasterId id="2147483648" r:id="rId1"/>
   </p:sldMasterIdLst>
   <p:notesMasterIdLst>
-    <p:notesMasterId r:id="rId41"/>
+    <p:notesMasterId r:id="rId43"/>
   </p:notesMasterIdLst>
   <p:sldIdLst>
     <p:sldId id="256" r:id="rId2"/>
@@ -47,6 +47,8 @@
     <p:sldId id="369" r:id="rId38"/>
     <p:sldId id="390" r:id="rId39"/>
     <p:sldId id="391" r:id="rId40"/>
+    <p:sldId id="394" r:id="rId41"/>
+    <p:sldId id="392" r:id="rId42"/>
   </p:sldIdLst>
   <p:sldSz cx="9906000" cy="6858000" type="A4"/>
   <p:notesSz cx="6858000" cy="9144000"/>
@@ -246,7 +248,7 @@
           <a:p>
             <a:fld id="{7665CDAC-D627-4E87-877A-1B781DD4CADC}" type="datetimeFigureOut">
               <a:rPr lang="ko-KR" altLang="en-US" smtClean="0"/>
-              <a:t>2023-05-25</a:t>
+              <a:t>2023-05-26</a:t>
             </a:fld>
             <a:endParaRPr lang="ko-KR" altLang="en-US"/>
           </a:p>
@@ -784,7 +786,7 @@
           <a:p>
             <a:fld id="{F4AC81B4-D91A-4578-85B3-829E63FCFE17}" type="datetime1">
               <a:rPr lang="ko-KR" altLang="en-US" smtClean="0"/>
-              <a:t>2023-05-25</a:t>
+              <a:t>2023-05-26</a:t>
             </a:fld>
             <a:endParaRPr lang="ko-KR" altLang="en-US"/>
           </a:p>
@@ -1159,7 +1161,7 @@
           <a:p>
             <a:fld id="{F5B77542-37E5-48F2-BAE7-80CC6B0EB6A3}" type="datetime1">
               <a:rPr lang="ko-KR" altLang="en-US" smtClean="0"/>
-              <a:t>2023-05-25</a:t>
+              <a:t>2023-05-26</a:t>
             </a:fld>
             <a:endParaRPr lang="ko-KR" altLang="en-US"/>
           </a:p>
@@ -1339,7 +1341,7 @@
           <a:p>
             <a:fld id="{227CF174-B5AC-4A98-B673-0BE8126D3F27}" type="datetime1">
               <a:rPr lang="ko-KR" altLang="en-US" smtClean="0"/>
-              <a:t>2023-05-25</a:t>
+              <a:t>2023-05-26</a:t>
             </a:fld>
             <a:endParaRPr lang="ko-KR" altLang="en-US"/>
           </a:p>
@@ -1513,7 +1515,7 @@
           <a:p>
             <a:fld id="{E20FDEC8-1339-42E8-9704-2977280C2FD3}" type="datetime1">
               <a:rPr lang="ko-KR" altLang="en-US" smtClean="0"/>
-              <a:t>2023-05-25</a:t>
+              <a:t>2023-05-26</a:t>
             </a:fld>
             <a:endParaRPr lang="ko-KR" altLang="en-US"/>
           </a:p>
@@ -1759,7 +1761,7 @@
           <a:p>
             <a:fld id="{4D18DC76-A282-4817-B790-197F054E1215}" type="datetime1">
               <a:rPr lang="ko-KR" altLang="en-US" smtClean="0"/>
-              <a:t>2023-05-25</a:t>
+              <a:t>2023-05-26</a:t>
             </a:fld>
             <a:endParaRPr lang="ko-KR" altLang="en-US"/>
           </a:p>
@@ -2047,7 +2049,7 @@
           <a:p>
             <a:fld id="{6680AA6C-13D8-43E4-90F0-E6C88A2B9F16}" type="datetime1">
               <a:rPr lang="ko-KR" altLang="en-US" smtClean="0"/>
-              <a:t>2023-05-25</a:t>
+              <a:t>2023-05-26</a:t>
             </a:fld>
             <a:endParaRPr lang="ko-KR" altLang="en-US"/>
           </a:p>
@@ -2469,7 +2471,7 @@
           <a:p>
             <a:fld id="{3EF5B03B-20CC-436E-8601-C933C6C1F4A6}" type="datetime1">
               <a:rPr lang="ko-KR" altLang="en-US" smtClean="0"/>
-              <a:t>2023-05-25</a:t>
+              <a:t>2023-05-26</a:t>
             </a:fld>
             <a:endParaRPr lang="ko-KR" altLang="en-US"/>
           </a:p>
@@ -2587,7 +2589,7 @@
           <a:p>
             <a:fld id="{87B5A15D-8B08-482F-AB47-E416EC355EB6}" type="datetime1">
               <a:rPr lang="ko-KR" altLang="en-US" smtClean="0"/>
-              <a:t>2023-05-25</a:t>
+              <a:t>2023-05-26</a:t>
             </a:fld>
             <a:endParaRPr lang="ko-KR" altLang="en-US"/>
           </a:p>
@@ -2682,7 +2684,7 @@
           <a:p>
             <a:fld id="{A877D7F8-7B64-44F8-A411-CBD22F28CBFF}" type="datetime1">
               <a:rPr lang="ko-KR" altLang="en-US" smtClean="0"/>
-              <a:t>2023-05-25</a:t>
+              <a:t>2023-05-26</a:t>
             </a:fld>
             <a:endParaRPr lang="ko-KR" altLang="en-US"/>
           </a:p>
@@ -2959,7 +2961,7 @@
           <a:p>
             <a:fld id="{E12DBD9B-2BB6-4D1F-BCB4-1E48829C93C3}" type="datetime1">
               <a:rPr lang="ko-KR" altLang="en-US" smtClean="0"/>
-              <a:t>2023-05-25</a:t>
+              <a:t>2023-05-26</a:t>
             </a:fld>
             <a:endParaRPr lang="ko-KR" altLang="en-US"/>
           </a:p>
@@ -3212,7 +3214,7 @@
           <a:p>
             <a:fld id="{17564C48-0CD7-40EB-BE64-BBF4DB8C56AF}" type="datetime1">
               <a:rPr lang="ko-KR" altLang="en-US" smtClean="0"/>
-              <a:t>2023-05-25</a:t>
+              <a:t>2023-05-26</a:t>
             </a:fld>
             <a:endParaRPr lang="ko-KR" altLang="en-US"/>
           </a:p>
@@ -3392,7 +3394,7 @@
           <a:p>
             <a:fld id="{C116BCB4-B68B-4638-8167-F4BDC0A30DA1}" type="datetime1">
               <a:rPr lang="ko-KR" altLang="en-US" smtClean="0"/>
-              <a:t>2023-05-25</a:t>
+              <a:t>2023-05-26</a:t>
             </a:fld>
             <a:endParaRPr lang="ko-KR" altLang="en-US"/>
           </a:p>
@@ -5980,15 +5982,7 @@
                   <a:srgbClr val="C00000"/>
                 </a:solidFill>
               </a:rPr>
-              <a:t> </a:t>
-            </a:r>
-            <a:r>
-              <a:rPr lang="en-US" altLang="ko-KR" sz="1800" b="1" dirty="0" smtClean="0">
-                <a:solidFill>
-                  <a:srgbClr val="C00000"/>
-                </a:solidFill>
-              </a:rPr>
-              <a:t>[Run] – [Run Configuration] - Arguments</a:t>
+              <a:t> [Run] – [Run Configuration] - Arguments</a:t>
             </a:r>
             <a:r>
               <a:rPr lang="ko-KR" altLang="en-US" sz="1800" b="1" dirty="0" smtClean="0">
@@ -6607,15 +6601,7 @@
                   <a:srgbClr val="C00000"/>
                 </a:solidFill>
               </a:rPr>
-              <a:t> </a:t>
-            </a:r>
-            <a:r>
-              <a:rPr lang="ko-KR" altLang="en-US" sz="1800" b="1" dirty="0" smtClean="0">
-                <a:solidFill>
-                  <a:srgbClr val="C00000"/>
-                </a:solidFill>
-              </a:rPr>
-              <a:t>문자와 숫자 입력</a:t>
+              <a:t> 문자와 숫자 입력</a:t>
             </a:r>
             <a:endParaRPr lang="en-US" altLang="ko-KR" sz="1800" b="1" dirty="0" smtClean="0">
               <a:solidFill>
@@ -15050,8 +15036,8 @@
         </p:blipFill>
         <p:spPr>
           <a:xfrm>
-            <a:off x="734964" y="1268760"/>
-            <a:ext cx="8436072" cy="3619814"/>
+            <a:off x="560512" y="1268760"/>
+            <a:ext cx="8726460" cy="3744416"/>
           </a:xfrm>
           <a:prstGeom prst="rect">
             <a:avLst/>
@@ -15169,7 +15155,7 @@
       </p:sp>
       <p:pic>
         <p:nvPicPr>
-          <p:cNvPr id="5" name="그림 4"/>
+          <p:cNvPr id="2" name="그림 1"/>
           <p:cNvPicPr>
             <a:picLocks noChangeAspect="1"/>
           </p:cNvPicPr>
@@ -15189,8 +15175,8 @@
         </p:blipFill>
         <p:spPr>
           <a:xfrm>
-            <a:off x="1208584" y="1556792"/>
-            <a:ext cx="5776461" cy="2941575"/>
+            <a:off x="1208584" y="1412776"/>
+            <a:ext cx="6881456" cy="3596952"/>
           </a:xfrm>
           <a:prstGeom prst="rect">
             <a:avLst/>
@@ -15851,6 +15837,340 @@
     <p:extLst>
       <p:ext uri="{BB962C8B-B14F-4D97-AF65-F5344CB8AC3E}">
         <p14:creationId xmlns:p14="http://schemas.microsoft.com/office/powerpoint/2010/main" val="2845951642"/>
+      </p:ext>
+    </p:extLst>
+  </p:cSld>
+  <p:clrMapOvr>
+    <a:masterClrMapping/>
+  </p:clrMapOvr>
+  <p:timing>
+    <p:tnLst>
+      <p:par>
+        <p:cTn id="1" dur="indefinite" restart="never" nodeType="tmRoot"/>
+      </p:par>
+    </p:tnLst>
+  </p:timing>
+</p:sld>
+</file>
+
+<file path=ppt/slides/slide40.xml><?xml version="1.0" encoding="utf-8"?>
+<p:sld xmlns:a="http://schemas.openxmlformats.org/drawingml/2006/main" xmlns:r="http://schemas.openxmlformats.org/officeDocument/2006/relationships" xmlns:p="http://schemas.openxmlformats.org/presentationml/2006/main">
+  <p:cSld>
+    <p:spTree>
+      <p:nvGrpSpPr>
+        <p:cNvPr id="1" name=""/>
+        <p:cNvGrpSpPr/>
+        <p:nvPr/>
+      </p:nvGrpSpPr>
+      <p:grpSpPr>
+        <a:xfrm>
+          <a:off x="0" y="0"/>
+          <a:ext cx="0" cy="0"/>
+          <a:chOff x="0" y="0"/>
+          <a:chExt cx="0" cy="0"/>
+        </a:xfrm>
+      </p:grpSpPr>
+      <p:sp>
+        <p:nvSpPr>
+          <p:cNvPr id="15" name="제목 5"/>
+          <p:cNvSpPr txBox="1">
+            <a:spLocks/>
+          </p:cNvSpPr>
+          <p:nvPr/>
+        </p:nvSpPr>
+        <p:spPr>
+          <a:xfrm>
+            <a:off x="0" y="-27384"/>
+            <a:ext cx="6897216" cy="854968"/>
+          </a:xfrm>
+          <a:prstGeom prst="rect">
+            <a:avLst/>
+          </a:prstGeom>
+        </p:spPr>
+        <p:txBody>
+          <a:bodyPr anchor="ctr" anchorCtr="0"/>
+          <a:lstStyle>
+            <a:lvl1pPr algn="l" defTabSz="914400" rtl="0" eaLnBrk="1" latinLnBrk="1" hangingPunct="1">
+              <a:spcBef>
+                <a:spcPct val="0"/>
+              </a:spcBef>
+              <a:buNone/>
+              <a:defRPr sz="3200" kern="1200">
+                <a:solidFill>
+                  <a:schemeClr val="bg1"/>
+                </a:solidFill>
+                <a:latin typeface="HY헤드라인M" panose="02030600000101010101" pitchFamily="18" charset="-127"/>
+                <a:ea typeface="HY헤드라인M" panose="02030600000101010101" pitchFamily="18" charset="-127"/>
+                <a:cs typeface="+mj-cs"/>
+              </a:defRPr>
+            </a:lvl1pPr>
+          </a:lstStyle>
+          <a:p>
+            <a:pPr>
+              <a:lnSpc>
+                <a:spcPct val="150000"/>
+              </a:lnSpc>
+            </a:pPr>
+            <a:r>
+              <a:rPr lang="en-US" altLang="ko-KR" dirty="0"/>
+              <a:t> </a:t>
+            </a:r>
+            <a:r>
+              <a:rPr lang="en-US" altLang="ko-KR" dirty="0" smtClean="0"/>
+              <a:t> </a:t>
+            </a:r>
+            <a:r>
+              <a:rPr lang="en-US" altLang="ko-KR" dirty="0" err="1" smtClean="0"/>
+              <a:t>PersonMain</a:t>
+            </a:r>
+            <a:endParaRPr lang="en-US" altLang="ko-KR" b="1" dirty="0"/>
+          </a:p>
+        </p:txBody>
+      </p:sp>
+      <p:pic>
+        <p:nvPicPr>
+          <p:cNvPr id="3" name="그림 2"/>
+          <p:cNvPicPr>
+            <a:picLocks noChangeAspect="1"/>
+          </p:cNvPicPr>
+          <p:nvPr/>
+        </p:nvPicPr>
+        <p:blipFill>
+          <a:blip r:embed="rId2">
+            <a:extLst>
+              <a:ext uri="{28A0092B-C50C-407E-A947-70E740481C1C}">
+                <a14:useLocalDpi xmlns:a14="http://schemas.microsoft.com/office/drawing/2010/main" val="0"/>
+              </a:ext>
+            </a:extLst>
+          </a:blip>
+          <a:stretch>
+            <a:fillRect/>
+          </a:stretch>
+        </p:blipFill>
+        <p:spPr>
+          <a:xfrm>
+            <a:off x="920552" y="1484784"/>
+            <a:ext cx="7843088" cy="2880320"/>
+          </a:xfrm>
+          <a:prstGeom prst="rect">
+            <a:avLst/>
+          </a:prstGeom>
+          <a:ln>
+            <a:solidFill>
+              <a:schemeClr val="bg1">
+                <a:lumMod val="85000"/>
+              </a:schemeClr>
+            </a:solidFill>
+          </a:ln>
+        </p:spPr>
+      </p:pic>
+    </p:spTree>
+    <p:extLst>
+      <p:ext uri="{BB962C8B-B14F-4D97-AF65-F5344CB8AC3E}">
+        <p14:creationId xmlns:p14="http://schemas.microsoft.com/office/powerpoint/2010/main" val="3257830753"/>
+      </p:ext>
+    </p:extLst>
+  </p:cSld>
+  <p:clrMapOvr>
+    <a:masterClrMapping/>
+  </p:clrMapOvr>
+  <p:timing>
+    <p:tnLst>
+      <p:par>
+        <p:cTn id="1" dur="indefinite" restart="never" nodeType="tmRoot"/>
+      </p:par>
+    </p:tnLst>
+  </p:timing>
+</p:sld>
+</file>
+
+<file path=ppt/slides/slide41.xml><?xml version="1.0" encoding="utf-8"?>
+<p:sld xmlns:a="http://schemas.openxmlformats.org/drawingml/2006/main" xmlns:r="http://schemas.openxmlformats.org/officeDocument/2006/relationships" xmlns:p="http://schemas.openxmlformats.org/presentationml/2006/main">
+  <p:cSld>
+    <p:spTree>
+      <p:nvGrpSpPr>
+        <p:cNvPr id="1" name=""/>
+        <p:cNvGrpSpPr/>
+        <p:nvPr/>
+      </p:nvGrpSpPr>
+      <p:grpSpPr>
+        <a:xfrm>
+          <a:off x="0" y="0"/>
+          <a:ext cx="0" cy="0"/>
+          <a:chOff x="0" y="0"/>
+          <a:chExt cx="0" cy="0"/>
+        </a:xfrm>
+      </p:grpSpPr>
+      <p:sp>
+        <p:nvSpPr>
+          <p:cNvPr id="15" name="제목 5"/>
+          <p:cNvSpPr txBox="1">
+            <a:spLocks/>
+          </p:cNvSpPr>
+          <p:nvPr/>
+        </p:nvSpPr>
+        <p:spPr>
+          <a:xfrm>
+            <a:off x="0" y="-27384"/>
+            <a:ext cx="6897216" cy="854968"/>
+          </a:xfrm>
+          <a:prstGeom prst="rect">
+            <a:avLst/>
+          </a:prstGeom>
+        </p:spPr>
+        <p:txBody>
+          <a:bodyPr anchor="ctr" anchorCtr="0"/>
+          <a:lstStyle>
+            <a:lvl1pPr algn="l" defTabSz="914400" rtl="0" eaLnBrk="1" latinLnBrk="1" hangingPunct="1">
+              <a:spcBef>
+                <a:spcPct val="0"/>
+              </a:spcBef>
+              <a:buNone/>
+              <a:defRPr sz="3200" kern="1200">
+                <a:solidFill>
+                  <a:schemeClr val="bg1"/>
+                </a:solidFill>
+                <a:latin typeface="HY헤드라인M" panose="02030600000101010101" pitchFamily="18" charset="-127"/>
+                <a:ea typeface="HY헤드라인M" panose="02030600000101010101" pitchFamily="18" charset="-127"/>
+                <a:cs typeface="+mj-cs"/>
+              </a:defRPr>
+            </a:lvl1pPr>
+          </a:lstStyle>
+          <a:p>
+            <a:pPr>
+              <a:lnSpc>
+                <a:spcPct val="150000"/>
+              </a:lnSpc>
+            </a:pPr>
+            <a:r>
+              <a:rPr lang="en-US" altLang="ko-KR" dirty="0"/>
+              <a:t> </a:t>
+            </a:r>
+            <a:r>
+              <a:rPr lang="en-US" altLang="ko-KR" dirty="0" smtClean="0"/>
+              <a:t> </a:t>
+            </a:r>
+            <a:r>
+              <a:rPr lang="en-US" altLang="ko-KR" dirty="0" err="1" smtClean="0"/>
+              <a:t>PersonMain</a:t>
+            </a:r>
+            <a:endParaRPr lang="en-US" altLang="ko-KR" b="1" dirty="0"/>
+          </a:p>
+        </p:txBody>
+      </p:sp>
+      <p:pic>
+        <p:nvPicPr>
+          <p:cNvPr id="2" name="그림 1"/>
+          <p:cNvPicPr>
+            <a:picLocks noChangeAspect="1"/>
+          </p:cNvPicPr>
+          <p:nvPr/>
+        </p:nvPicPr>
+        <p:blipFill>
+          <a:blip r:embed="rId2">
+            <a:extLst>
+              <a:ext uri="{28A0092B-C50C-407E-A947-70E740481C1C}">
+                <a14:useLocalDpi xmlns:a14="http://schemas.microsoft.com/office/drawing/2010/main" val="0"/>
+              </a:ext>
+            </a:extLst>
+          </a:blip>
+          <a:stretch>
+            <a:fillRect/>
+          </a:stretch>
+        </p:blipFill>
+        <p:spPr>
+          <a:xfrm>
+            <a:off x="992560" y="1196752"/>
+            <a:ext cx="6513019" cy="4846040"/>
+          </a:xfrm>
+          <a:prstGeom prst="rect">
+            <a:avLst/>
+          </a:prstGeom>
+          <a:ln>
+            <a:solidFill>
+              <a:schemeClr val="bg1">
+                <a:lumMod val="85000"/>
+              </a:schemeClr>
+            </a:solidFill>
+          </a:ln>
+        </p:spPr>
+      </p:pic>
+      <p:pic>
+        <p:nvPicPr>
+          <p:cNvPr id="5" name="그림 4"/>
+          <p:cNvPicPr>
+            <a:picLocks noChangeAspect="1"/>
+          </p:cNvPicPr>
+          <p:nvPr/>
+        </p:nvPicPr>
+        <p:blipFill>
+          <a:blip r:embed="rId3">
+            <a:extLst>
+              <a:ext uri="{28A0092B-C50C-407E-A947-70E740481C1C}">
+                <a14:useLocalDpi xmlns:a14="http://schemas.microsoft.com/office/drawing/2010/main" val="0"/>
+              </a:ext>
+            </a:extLst>
+          </a:blip>
+          <a:stretch>
+            <a:fillRect/>
+          </a:stretch>
+        </p:blipFill>
+        <p:spPr>
+          <a:xfrm>
+            <a:off x="4558163" y="4365104"/>
+            <a:ext cx="5003349" cy="1228149"/>
+          </a:xfrm>
+          <a:prstGeom prst="rect">
+            <a:avLst/>
+          </a:prstGeom>
+          <a:ln>
+            <a:solidFill>
+              <a:schemeClr val="bg1">
+                <a:lumMod val="85000"/>
+              </a:schemeClr>
+            </a:solidFill>
+          </a:ln>
+        </p:spPr>
+      </p:pic>
+      <p:cxnSp>
+        <p:nvCxnSpPr>
+          <p:cNvPr id="7" name="직선 연결선 6"/>
+          <p:cNvCxnSpPr/>
+          <p:nvPr/>
+        </p:nvCxnSpPr>
+        <p:spPr>
+          <a:xfrm>
+            <a:off x="4376936" y="5157192"/>
+            <a:ext cx="5328592" cy="0"/>
+          </a:xfrm>
+          <a:prstGeom prst="line">
+            <a:avLst/>
+          </a:prstGeom>
+          <a:ln w="28575">
+            <a:solidFill>
+              <a:srgbClr val="C00000"/>
+            </a:solidFill>
+          </a:ln>
+        </p:spPr>
+        <p:style>
+          <a:lnRef idx="1">
+            <a:schemeClr val="accent1"/>
+          </a:lnRef>
+          <a:fillRef idx="0">
+            <a:schemeClr val="accent1"/>
+          </a:fillRef>
+          <a:effectRef idx="0">
+            <a:schemeClr val="accent1"/>
+          </a:effectRef>
+          <a:fontRef idx="minor">
+            <a:schemeClr val="tx1"/>
+          </a:fontRef>
+        </p:style>
+      </p:cxnSp>
+    </p:spTree>
+    <p:extLst>
+      <p:ext uri="{BB962C8B-B14F-4D97-AF65-F5344CB8AC3E}">
+        <p14:creationId xmlns:p14="http://schemas.microsoft.com/office/powerpoint/2010/main" val="3098273764"/>
       </p:ext>
     </p:extLst>
   </p:cSld>
